--- a/source/MySEProject/MultiSequenceLearning/Documentation/Approve Prediction of Multisequence Learning_Team_Top-G).pptx
+++ b/source/MySEProject/MultiSequenceLearning/Documentation/Approve Prediction of Multisequence Learning_Team_Top-G).pptx
@@ -6920,7 +6920,7 @@
         </p:nvSpPr>
         <p:spPr>
           <a:xfrm>
-            <a:off x="1752600" y="1200150"/>
+            <a:off x="1752600" y="1352550"/>
             <a:ext cx="2057400" cy="1905000"/>
           </a:xfrm>
           <a:prstGeom prst="ellipse">
@@ -7361,7 +7361,7 @@
         </p:nvSpPr>
         <p:spPr>
           <a:xfrm>
-            <a:off x="4577604" y="1262368"/>
+            <a:off x="4577603" y="1244828"/>
             <a:ext cx="3194795" cy="1987742"/>
           </a:xfrm>
           <a:prstGeom prst="roundRect">
@@ -7577,7 +7577,7 @@
         </p:nvSpPr>
         <p:spPr>
           <a:xfrm>
-            <a:off x="1028700" y="971550"/>
+            <a:off x="4152900" y="858328"/>
             <a:ext cx="1104900" cy="457200"/>
           </a:xfrm>
           <a:prstGeom prst="ellipse">
@@ -7955,39 +7955,6 @@
           </a:p>
         </p:txBody>
       </p:sp>
-      <p:cxnSp>
-        <p:nvCxnSpPr>
-          <p:cNvPr id="16" name="Straight Connector 15"/>
-          <p:cNvCxnSpPr>
-            <a:stCxn id="6" idx="4"/>
-            <a:endCxn id="7" idx="0"/>
-          </p:cNvCxnSpPr>
-          <p:nvPr/>
-        </p:nvCxnSpPr>
-        <p:spPr>
-          <a:xfrm>
-            <a:off x="1581150" y="1428750"/>
-            <a:ext cx="0" cy="152400"/>
-          </a:xfrm>
-          <a:prstGeom prst="line">
-            <a:avLst/>
-          </a:prstGeom>
-        </p:spPr>
-        <p:style>
-          <a:lnRef idx="1">
-            <a:schemeClr val="accent1"/>
-          </a:lnRef>
-          <a:fillRef idx="0">
-            <a:schemeClr val="accent1"/>
-          </a:fillRef>
-          <a:effectRef idx="0">
-            <a:schemeClr val="accent1"/>
-          </a:effectRef>
-          <a:fontRef idx="minor">
-            <a:schemeClr val="tx1"/>
-          </a:fontRef>
-        </p:style>
-      </p:cxnSp>
       <p:cxnSp>
         <p:nvCxnSpPr>
           <p:cNvPr id="18" name="Straight Connector 17"/>
@@ -8393,6 +8360,189 @@
           </a:fontRef>
         </p:style>
       </p:cxnSp>
+      <p:sp>
+        <p:nvSpPr>
+          <p:cNvPr id="3" name="Rounded Rectangle 2"/>
+          <p:cNvSpPr/>
+          <p:nvPr/>
+        </p:nvSpPr>
+        <p:spPr>
+          <a:xfrm>
+            <a:off x="2711929" y="857250"/>
+            <a:ext cx="970472" cy="457200"/>
+          </a:xfrm>
+          <a:prstGeom prst="roundRect">
+            <a:avLst/>
+          </a:prstGeom>
+        </p:spPr>
+        <p:style>
+          <a:lnRef idx="1">
+            <a:schemeClr val="dk1"/>
+          </a:lnRef>
+          <a:fillRef idx="2">
+            <a:schemeClr val="dk1"/>
+          </a:fillRef>
+          <a:effectRef idx="1">
+            <a:schemeClr val="dk1"/>
+          </a:effectRef>
+          <a:fontRef idx="minor">
+            <a:schemeClr val="dk1"/>
+          </a:fontRef>
+        </p:style>
+        <p:txBody>
+          <a:bodyPr rtlCol="0" anchor="ctr"/>
+          <a:lstStyle/>
+          <a:p>
+            <a:pPr algn="ctr"/>
+            <a:r>
+              <a:rPr lang="en-US" sz="1200" dirty="0" smtClean="0"/>
+              <a:t>User Selection</a:t>
+            </a:r>
+            <a:endParaRPr lang="en-US" sz="1200" dirty="0"/>
+          </a:p>
+        </p:txBody>
+      </p:sp>
+      <p:cxnSp>
+        <p:nvCxnSpPr>
+          <p:cNvPr id="19" name="Straight Connector 18"/>
+          <p:cNvCxnSpPr>
+            <a:stCxn id="6" idx="2"/>
+            <a:endCxn id="3" idx="3"/>
+          </p:cNvCxnSpPr>
+          <p:nvPr/>
+        </p:nvCxnSpPr>
+        <p:spPr>
+          <a:xfrm flipH="1" flipV="1">
+            <a:off x="3682401" y="1085850"/>
+            <a:ext cx="470499" cy="1078"/>
+          </a:xfrm>
+          <a:prstGeom prst="line">
+            <a:avLst/>
+          </a:prstGeom>
+        </p:spPr>
+        <p:style>
+          <a:lnRef idx="1">
+            <a:schemeClr val="accent1"/>
+          </a:lnRef>
+          <a:fillRef idx="0">
+            <a:schemeClr val="accent1"/>
+          </a:fillRef>
+          <a:effectRef idx="0">
+            <a:schemeClr val="accent1"/>
+          </a:effectRef>
+          <a:fontRef idx="minor">
+            <a:schemeClr val="tx1"/>
+          </a:fontRef>
+        </p:style>
+      </p:cxnSp>
+      <p:sp>
+        <p:nvSpPr>
+          <p:cNvPr id="32" name="Rectangle 31"/>
+          <p:cNvSpPr/>
+          <p:nvPr/>
+        </p:nvSpPr>
+        <p:spPr>
+          <a:xfrm>
+            <a:off x="1044514" y="857250"/>
+            <a:ext cx="1165285" cy="458278"/>
+          </a:xfrm>
+          <a:prstGeom prst="rect">
+            <a:avLst/>
+          </a:prstGeom>
+        </p:spPr>
+        <p:style>
+          <a:lnRef idx="1">
+            <a:schemeClr val="dk1"/>
+          </a:lnRef>
+          <a:fillRef idx="2">
+            <a:schemeClr val="dk1"/>
+          </a:fillRef>
+          <a:effectRef idx="1">
+            <a:schemeClr val="dk1"/>
+          </a:effectRef>
+          <a:fontRef idx="minor">
+            <a:schemeClr val="dk1"/>
+          </a:fontRef>
+        </p:style>
+        <p:txBody>
+          <a:bodyPr rtlCol="0" anchor="ctr"/>
+          <a:lstStyle/>
+          <a:p>
+            <a:pPr algn="ctr"/>
+            <a:r>
+              <a:rPr lang="en-US" sz="1200" dirty="0" smtClean="0"/>
+              <a:t>3 diff. Scenarios</a:t>
+            </a:r>
+            <a:endParaRPr lang="en-US" sz="1200" dirty="0"/>
+          </a:p>
+        </p:txBody>
+      </p:sp>
+      <p:cxnSp>
+        <p:nvCxnSpPr>
+          <p:cNvPr id="36" name="Straight Connector 35"/>
+          <p:cNvCxnSpPr>
+            <a:stCxn id="3" idx="1"/>
+            <a:endCxn id="32" idx="3"/>
+          </p:cNvCxnSpPr>
+          <p:nvPr/>
+        </p:nvCxnSpPr>
+        <p:spPr>
+          <a:xfrm flipH="1">
+            <a:off x="2209799" y="1085850"/>
+            <a:ext cx="502130" cy="539"/>
+          </a:xfrm>
+          <a:prstGeom prst="line">
+            <a:avLst/>
+          </a:prstGeom>
+        </p:spPr>
+        <p:style>
+          <a:lnRef idx="1">
+            <a:schemeClr val="accent1"/>
+          </a:lnRef>
+          <a:fillRef idx="0">
+            <a:schemeClr val="accent1"/>
+          </a:fillRef>
+          <a:effectRef idx="0">
+            <a:schemeClr val="accent1"/>
+          </a:effectRef>
+          <a:fontRef idx="minor">
+            <a:schemeClr val="tx1"/>
+          </a:fontRef>
+        </p:style>
+      </p:cxnSp>
+      <p:cxnSp>
+        <p:nvCxnSpPr>
+          <p:cNvPr id="42" name="Straight Connector 41"/>
+          <p:cNvCxnSpPr>
+            <a:stCxn id="32" idx="2"/>
+            <a:endCxn id="7" idx="0"/>
+          </p:cNvCxnSpPr>
+          <p:nvPr/>
+        </p:nvCxnSpPr>
+        <p:spPr>
+          <a:xfrm flipH="1">
+            <a:off x="1581150" y="1315528"/>
+            <a:ext cx="46007" cy="265622"/>
+          </a:xfrm>
+          <a:prstGeom prst="line">
+            <a:avLst/>
+          </a:prstGeom>
+        </p:spPr>
+        <p:style>
+          <a:lnRef idx="1">
+            <a:schemeClr val="accent1"/>
+          </a:lnRef>
+          <a:fillRef idx="0">
+            <a:schemeClr val="accent1"/>
+          </a:fillRef>
+          <a:effectRef idx="0">
+            <a:schemeClr val="accent1"/>
+          </a:effectRef>
+          <a:fontRef idx="minor">
+            <a:schemeClr val="tx1"/>
+          </a:fontRef>
+        </p:style>
+      </p:cxnSp>
     </p:spTree>
     <p:extLst>
       <p:ext uri="{BB962C8B-B14F-4D97-AF65-F5344CB8AC3E}">
@@ -8527,19 +8677,7 @@
               <a:rPr lang="en-GB" sz="1400" dirty="0" smtClean="0">
                 <a:latin typeface="+mj-lt"/>
               </a:rPr>
-              <a:t>alphabets </a:t>
-            </a:r>
-            <a:r>
-              <a:rPr lang="en-GB" sz="1400" dirty="0" smtClean="0">
-                <a:latin typeface="+mj-lt"/>
-              </a:rPr>
-              <a:t>as well as </a:t>
-            </a:r>
-            <a:r>
-              <a:rPr lang="en-GB" sz="1400" dirty="0" smtClean="0">
-                <a:latin typeface="+mj-lt"/>
-              </a:rPr>
-              <a:t>numbers </a:t>
+              <a:t>alphabets as well as numbers </a:t>
             </a:r>
             <a:r>
               <a:rPr lang="en-GB" sz="1400" dirty="0">
@@ -11178,7 +11316,7 @@
         <p:spPr>
           <a:xfrm>
             <a:off x="152400" y="819150"/>
-            <a:ext cx="5334000" cy="3124200"/>
+            <a:ext cx="7848600" cy="3124200"/>
           </a:xfrm>
           <a:prstGeom prst="roundRect">
             <a:avLst/>

--- a/source/MySEProject/MultiSequenceLearning/Documentation/Approve Prediction of Multisequence Learning_Team_Top-G).pptx
+++ b/source/MySEProject/MultiSequenceLearning/Documentation/Approve Prediction of Multisequence Learning_Team_Top-G).pptx
@@ -8634,8 +8634,8 @@
         </p:nvSpPr>
         <p:spPr>
           <a:xfrm>
-            <a:off x="76200" y="742950"/>
-            <a:ext cx="5397260" cy="3323389"/>
+            <a:off x="457200" y="742950"/>
+            <a:ext cx="7162800" cy="1828801"/>
           </a:xfrm>
           <a:prstGeom prst="roundRect">
             <a:avLst/>
@@ -8668,45 +8668,21 @@
               </a:spcAft>
             </a:pPr>
             <a:r>
-              <a:rPr lang="en-GB" sz="1400" dirty="0">
-                <a:latin typeface="+mj-lt"/>
-              </a:rPr>
-              <a:t>A solution for Multi Sequence learning of a Sequence of </a:t>
-            </a:r>
-            <a:r>
-              <a:rPr lang="en-GB" sz="1400" dirty="0" smtClean="0">
-                <a:latin typeface="+mj-lt"/>
-              </a:rPr>
-              <a:t>alphabets as well as numbers </a:t>
-            </a:r>
-            <a:r>
-              <a:rPr lang="en-GB" sz="1400" dirty="0">
-                <a:latin typeface="+mj-lt"/>
-              </a:rPr>
-              <a:t>was developed using the </a:t>
-            </a:r>
-            <a:r>
-              <a:rPr lang="en-GB" sz="1400" dirty="0" err="1">
-                <a:latin typeface="+mj-lt"/>
-              </a:rPr>
+              <a:rPr lang="en-US" sz="1400" dirty="0" smtClean="0"/>
+              <a:t>A </a:t>
+            </a:r>
+            <a:r>
+              <a:rPr lang="en-US" sz="1400" dirty="0"/>
+              <a:t>solution for learning sequences of letters and numbers was developed using the </a:t>
+            </a:r>
+            <a:r>
+              <a:rPr lang="en-US" sz="1400" dirty="0" err="1"/>
               <a:t>Neocortex</a:t>
             </a:r>
             <a:r>
-              <a:rPr lang="en-GB" sz="1400" dirty="0">
-                <a:latin typeface="+mj-lt"/>
-              </a:rPr>
-              <a:t> API's Multi Sequence learning reference model. The HTM Prediction Engine was adjusted with various parameters to suit the training process. The Multi-Sequence of Numbers was saved and then transformed into an encoded value and stored in a dictionary using an Encoder and SDR input for the training process. An algorithm was created to predict the trained sequences, which involved comparing the generated similarity matrix with each of the SDRs of the learned Sequence from the training phase. The Sequence was then predicted based on the accuracy and observation class (Label), and the accuracy percentage of the predicted sequences was calculated </a:t>
-            </a:r>
-            <a:endParaRPr lang="en-US" sz="1400" dirty="0">
-              <a:latin typeface="+mj-lt"/>
-            </a:endParaRPr>
-          </a:p>
-          <a:p>
-            <a:pPr>
-              <a:spcAft>
-                <a:spcPts val="600"/>
-              </a:spcAft>
-            </a:pPr>
+              <a:rPr lang="en-US" sz="1400" dirty="0"/>
+              <a:t> API's Multi Sequence learning model. The HTM Prediction Engine was adjusted for training, where sequences were encoded and stored in a dictionary. An algorithm was created to predict sequences by comparing similarity matrices, resulting in accurate predictions with calculated accuracy percentages.</a:t>
+            </a:r>
             <a:endParaRPr lang="en-US" sz="1200" dirty="0" smtClean="0">
               <a:latin typeface="+mj-lt"/>
             </a:endParaRPr>
@@ -8734,7 +8710,7 @@
         </p:blipFill>
         <p:spPr>
           <a:xfrm>
-            <a:off x="5562600" y="1615952"/>
+            <a:off x="3581400" y="2729541"/>
             <a:ext cx="3581400" cy="2227179"/>
           </a:xfrm>
           <a:prstGeom prst="rect">
